--- a/front/classRef/12장_주요개념추가_EcmaScript6.pptx
+++ b/front/classRef/12장_주요개념추가_EcmaScript6.pptx
@@ -1467,19 +1467,7 @@
                   </a:outerShdw>
                 </a:effectLst>
               </a:rPr>
-              <a:t>ECMAScript </a:t>
-            </a:r>
-            <a:r>
-              <a:rPr lang="en-US" sz="4000" dirty="0" smtClean="0">
-                <a:effectLst>
-                  <a:outerShdw blurRad="38100" dist="38100" dir="2700000" algn="tl">
-                    <a:srgbClr val="000000">
-                      <a:alpha val="43137"/>
-                    </a:srgbClr>
-                  </a:outerShdw>
-                </a:effectLst>
-              </a:rPr>
-              <a:t>6 </a:t>
+              <a:t>ECMAScript 6 </a:t>
             </a:r>
             <a:r>
               <a:rPr lang="ko-KR" altLang="en-US" sz="4000" dirty="0" smtClean="0">
@@ -1673,14 +1661,7 @@
                 <a:latin typeface="+mn-ea"/>
                 <a:ea typeface="+mn-ea"/>
               </a:rPr>
-              <a:t> 함수 </a:t>
-            </a:r>
-            <a:r>
-              <a:rPr lang="ko-KR" altLang="en-US" sz="2800" dirty="0" smtClean="0">
-                <a:latin typeface="+mn-ea"/>
-                <a:ea typeface="+mn-ea"/>
-              </a:rPr>
-              <a:t>와 상속 </a:t>
+              <a:t> 함수 와 상속 </a:t>
             </a:r>
             <a:r>
               <a:rPr lang="en-US" altLang="ko-KR" sz="1800" dirty="0" smtClean="0">
@@ -1756,7 +1737,7 @@
         <p:spPr>
           <a:xfrm>
             <a:off x="224398" y="1143000"/>
-            <a:ext cx="8614801" cy="2421176"/>
+            <a:ext cx="8614801" cy="4372992"/>
           </a:xfrm>
           <a:prstGeom prst="rect">
             <a:avLst/>
@@ -1819,7 +1800,434 @@
                 <a:latin typeface="+mn-ea"/>
                 <a:cs typeface="굴림"/>
               </a:rPr>
-              <a:t>17-19, 17-20</a:t>
+              <a:t>17-19, </a:t>
+            </a:r>
+            <a:r>
+              <a:rPr lang="en-US" altLang="ko-KR" sz="1400" b="1" spc="-5" dirty="0" smtClean="0">
+                <a:latin typeface="+mn-ea"/>
+                <a:cs typeface="굴림"/>
+              </a:rPr>
+              <a:t>17-20</a:t>
+            </a:r>
+          </a:p>
+          <a:p>
+            <a:pPr marL="174625" indent="-163513">
+              <a:lnSpc>
+                <a:spcPct val="100000"/>
+              </a:lnSpc>
+              <a:spcBef>
+                <a:spcPts val="100"/>
+              </a:spcBef>
+              <a:tabLst>
+                <a:tab pos="354965" algn="l"/>
+                <a:tab pos="356235" algn="l"/>
+              </a:tabLst>
+            </a:pPr>
+            <a:r>
+              <a:rPr lang="en-US" altLang="ko-KR" sz="1400" b="1" spc="-5" dirty="0" err="1">
+                <a:latin typeface="+mn-ea"/>
+                <a:cs typeface="굴림"/>
+              </a:rPr>
+              <a:t>new.target</a:t>
+            </a:r>
+            <a:r>
+              <a:rPr lang="en-US" altLang="ko-KR" sz="1400" b="1" spc="-5" dirty="0">
+                <a:latin typeface="+mn-ea"/>
+                <a:cs typeface="굴림"/>
+              </a:rPr>
+              <a:t> </a:t>
+            </a:r>
+            <a:r>
+              <a:rPr lang="ko-KR" altLang="en-US" sz="1400" b="1" spc="-5" dirty="0">
+                <a:latin typeface="+mn-ea"/>
+                <a:cs typeface="굴림"/>
+              </a:rPr>
+              <a:t>속성</a:t>
+            </a:r>
+            <a:r>
+              <a:rPr lang="en-US" altLang="ko-KR" sz="1400" b="1" spc="-5" dirty="0">
+                <a:latin typeface="+mn-ea"/>
+                <a:cs typeface="굴림"/>
+              </a:rPr>
+              <a:t>(property)</a:t>
+            </a:r>
+            <a:r>
+              <a:rPr lang="ko-KR" altLang="en-US" sz="1400" b="1" spc="-5" dirty="0">
+                <a:latin typeface="+mn-ea"/>
+                <a:cs typeface="굴림"/>
+              </a:rPr>
+              <a:t>은 함수 또는 생성자가 </a:t>
+            </a:r>
+            <a:r>
+              <a:rPr lang="en-US" altLang="ko-KR" sz="1400" b="1" spc="-5" dirty="0">
+                <a:latin typeface="+mn-ea"/>
+                <a:cs typeface="굴림"/>
+              </a:rPr>
+              <a:t>new </a:t>
+            </a:r>
+            <a:r>
+              <a:rPr lang="ko-KR" altLang="en-US" sz="1400" b="1" spc="-5" dirty="0">
+                <a:latin typeface="+mn-ea"/>
+                <a:cs typeface="굴림"/>
+              </a:rPr>
+              <a:t>연산자를 사용하여 </a:t>
+            </a:r>
+            <a:r>
+              <a:rPr lang="ko-KR" altLang="en-US" sz="1400" b="1" spc="-5" dirty="0" err="1">
+                <a:latin typeface="+mn-ea"/>
+                <a:cs typeface="굴림"/>
+              </a:rPr>
+              <a:t>호출됐는지를</a:t>
+            </a:r>
+            <a:r>
+              <a:rPr lang="ko-KR" altLang="en-US" sz="1400" b="1" spc="-5" dirty="0">
+                <a:latin typeface="+mn-ea"/>
+                <a:cs typeface="굴림"/>
+              </a:rPr>
+              <a:t> 감지할 수 있고</a:t>
+            </a:r>
+            <a:r>
+              <a:rPr lang="en-US" altLang="ko-KR" sz="1400" b="1" spc="-5" dirty="0">
+                <a:latin typeface="+mn-ea"/>
+                <a:cs typeface="굴림"/>
+              </a:rPr>
+              <a:t>,</a:t>
+            </a:r>
+            <a:br>
+              <a:rPr lang="en-US" altLang="ko-KR" sz="1400" b="1" spc="-5" dirty="0">
+                <a:latin typeface="+mn-ea"/>
+                <a:cs typeface="굴림"/>
+              </a:rPr>
+            </a:br>
+            <a:r>
+              <a:rPr lang="en-US" altLang="ko-KR" sz="1400" b="1" spc="-5" dirty="0">
+                <a:latin typeface="+mn-ea"/>
+                <a:cs typeface="굴림"/>
+              </a:rPr>
+              <a:t>new </a:t>
+            </a:r>
+            <a:r>
+              <a:rPr lang="ko-KR" altLang="en-US" sz="1400" b="1" spc="-5" dirty="0">
+                <a:latin typeface="+mn-ea"/>
+                <a:cs typeface="굴림"/>
+              </a:rPr>
+              <a:t>연산자로 인스턴스화된 </a:t>
+            </a:r>
+            <a:r>
+              <a:rPr lang="ko-KR" altLang="en-US" sz="1400" b="1" spc="-5" dirty="0" err="1">
+                <a:latin typeface="+mn-ea"/>
+                <a:cs typeface="굴림"/>
+              </a:rPr>
+              <a:t>생성자</a:t>
+            </a:r>
+            <a:r>
+              <a:rPr lang="ko-KR" altLang="en-US" sz="1400" b="1" spc="-5" dirty="0">
+                <a:latin typeface="+mn-ea"/>
+                <a:cs typeface="굴림"/>
+              </a:rPr>
+              <a:t> 및 함수에서</a:t>
+            </a:r>
+            <a:r>
+              <a:rPr lang="en-US" altLang="ko-KR" sz="1400" b="1" spc="-5" dirty="0">
+                <a:latin typeface="+mn-ea"/>
+                <a:cs typeface="굴림"/>
+              </a:rPr>
+              <a:t>, </a:t>
+            </a:r>
+            <a:r>
+              <a:rPr lang="en-US" altLang="ko-KR" sz="1400" b="1" spc="-5" dirty="0" err="1">
+                <a:latin typeface="+mn-ea"/>
+                <a:cs typeface="굴림"/>
+              </a:rPr>
+              <a:t>new.target</a:t>
+            </a:r>
+            <a:r>
+              <a:rPr lang="ko-KR" altLang="en-US" sz="1400" b="1" spc="-5" dirty="0">
+                <a:latin typeface="+mn-ea"/>
+                <a:cs typeface="굴림"/>
+              </a:rPr>
+              <a:t>은 </a:t>
+            </a:r>
+            <a:r>
+              <a:rPr lang="ko-KR" altLang="en-US" sz="1400" b="1" spc="-5" dirty="0" err="1">
+                <a:latin typeface="+mn-ea"/>
+                <a:cs typeface="굴림"/>
+              </a:rPr>
+              <a:t>생성자</a:t>
+            </a:r>
+            <a:r>
+              <a:rPr lang="ko-KR" altLang="en-US" sz="1400" b="1" spc="-5" dirty="0">
+                <a:latin typeface="+mn-ea"/>
+                <a:cs typeface="굴림"/>
+              </a:rPr>
+              <a:t> 또는 함수 참조를 반환함</a:t>
+            </a:r>
+            <a:r>
+              <a:rPr lang="en-US" altLang="ko-KR" sz="1400" b="1" spc="-5" dirty="0">
+                <a:latin typeface="+mn-ea"/>
+                <a:cs typeface="굴림"/>
+              </a:rPr>
+              <a:t>.</a:t>
+            </a:r>
+            <a:br>
+              <a:rPr lang="en-US" altLang="ko-KR" sz="1400" b="1" spc="-5" dirty="0">
+                <a:latin typeface="+mn-ea"/>
+                <a:cs typeface="굴림"/>
+              </a:rPr>
+            </a:br>
+            <a:r>
+              <a:rPr lang="ko-KR" altLang="en-US" sz="1400" b="1" spc="-5" dirty="0">
+                <a:latin typeface="+mn-ea"/>
+                <a:cs typeface="굴림"/>
+              </a:rPr>
+              <a:t>일반 함수 호출에서 </a:t>
+            </a:r>
+            <a:r>
+              <a:rPr lang="en-US" altLang="ko-KR" sz="1400" b="1" spc="-5" dirty="0" err="1">
+                <a:latin typeface="+mn-ea"/>
+                <a:cs typeface="굴림"/>
+              </a:rPr>
+              <a:t>new.target</a:t>
+            </a:r>
+            <a:r>
+              <a:rPr lang="ko-KR" altLang="en-US" sz="1400" b="1" spc="-5" dirty="0">
+                <a:latin typeface="+mn-ea"/>
+                <a:cs typeface="굴림"/>
+              </a:rPr>
+              <a:t>은 </a:t>
+            </a:r>
+            <a:r>
+              <a:rPr lang="en-US" altLang="ko-KR" sz="1400" b="1" spc="-5" dirty="0">
+                <a:latin typeface="+mn-ea"/>
+                <a:cs typeface="굴림"/>
+              </a:rPr>
+              <a:t>undefined</a:t>
+            </a:r>
+            <a:br>
+              <a:rPr lang="en-US" altLang="ko-KR" sz="1400" b="1" spc="-5" dirty="0">
+                <a:latin typeface="+mn-ea"/>
+                <a:cs typeface="굴림"/>
+              </a:rPr>
+            </a:br>
+            <a:r>
+              <a:rPr lang="en-US" altLang="ko-KR" sz="1400" b="1" spc="-5" dirty="0">
+                <a:latin typeface="+mn-ea"/>
+                <a:cs typeface="굴림"/>
+              </a:rPr>
+              <a:t/>
+            </a:r>
+            <a:br>
+              <a:rPr lang="en-US" altLang="ko-KR" sz="1400" b="1" spc="-5" dirty="0">
+                <a:latin typeface="+mn-ea"/>
+                <a:cs typeface="굴림"/>
+              </a:rPr>
+            </a:br>
+            <a:r>
+              <a:rPr lang="en-US" altLang="ko-KR" sz="1400" b="1" spc="-5" dirty="0" err="1">
+                <a:latin typeface="+mn-ea"/>
+                <a:cs typeface="굴림"/>
+              </a:rPr>
+              <a:t>instanceof</a:t>
+            </a:r>
+            <a:r>
+              <a:rPr lang="en-US" altLang="ko-KR" sz="1400" b="1" spc="-5" dirty="0">
+                <a:latin typeface="+mn-ea"/>
+                <a:cs typeface="굴림"/>
+              </a:rPr>
+              <a:t> </a:t>
+            </a:r>
+            <a:r>
+              <a:rPr lang="ko-KR" altLang="en-US" sz="1400" b="1" spc="-5" dirty="0">
+                <a:latin typeface="+mn-ea"/>
+                <a:cs typeface="굴림"/>
+              </a:rPr>
+              <a:t>란</a:t>
+            </a:r>
+            <a:r>
+              <a:rPr lang="en-US" altLang="ko-KR" sz="1400" b="1" spc="-5" dirty="0">
+                <a:latin typeface="+mn-ea"/>
+                <a:cs typeface="굴림"/>
+              </a:rPr>
+              <a:t>?</a:t>
+            </a:r>
+            <a:br>
+              <a:rPr lang="en-US" altLang="ko-KR" sz="1400" b="1" spc="-5" dirty="0">
+                <a:latin typeface="+mn-ea"/>
+                <a:cs typeface="굴림"/>
+              </a:rPr>
+            </a:br>
+            <a:r>
+              <a:rPr lang="ko-KR" altLang="en-US" sz="1400" b="1" spc="-5" dirty="0">
+                <a:latin typeface="+mn-ea"/>
+                <a:cs typeface="굴림"/>
+              </a:rPr>
+              <a:t>자바스크립트의 </a:t>
+            </a:r>
+            <a:r>
+              <a:rPr lang="en-US" altLang="ko-KR" sz="1400" b="1" spc="-5" dirty="0" err="1">
+                <a:latin typeface="+mn-ea"/>
+                <a:cs typeface="굴림"/>
+              </a:rPr>
+              <a:t>instanceof</a:t>
+            </a:r>
+            <a:r>
+              <a:rPr lang="en-US" altLang="ko-KR" sz="1400" b="1" spc="-5" dirty="0">
+                <a:latin typeface="+mn-ea"/>
+                <a:cs typeface="굴림"/>
+              </a:rPr>
+              <a:t> </a:t>
+            </a:r>
+            <a:r>
+              <a:rPr lang="ko-KR" altLang="en-US" sz="1400" b="1" spc="-5" dirty="0">
+                <a:latin typeface="+mn-ea"/>
+                <a:cs typeface="굴림"/>
+              </a:rPr>
+              <a:t>연산자는 런타임에서 객체의 타입을 확인하기 위해 사용</a:t>
+            </a:r>
+            <a:r>
+              <a:rPr lang="en-US" altLang="ko-KR" sz="1400" b="1" spc="-5" dirty="0">
+                <a:latin typeface="+mn-ea"/>
+                <a:cs typeface="굴림"/>
+              </a:rPr>
+              <a:t>.</a:t>
+            </a:r>
+            <a:br>
+              <a:rPr lang="en-US" altLang="ko-KR" sz="1400" b="1" spc="-5" dirty="0">
+                <a:latin typeface="+mn-ea"/>
+                <a:cs typeface="굴림"/>
+              </a:rPr>
+            </a:br>
+            <a:r>
+              <a:rPr lang="ko-KR" altLang="en-US" sz="1400" b="1" spc="-5" dirty="0">
+                <a:latin typeface="+mn-ea"/>
+                <a:cs typeface="굴림"/>
+              </a:rPr>
+              <a:t>이는 </a:t>
+            </a:r>
+            <a:r>
+              <a:rPr lang="en-US" altLang="ko-KR" sz="1400" b="1" spc="-5" dirty="0" err="1">
+                <a:latin typeface="+mn-ea"/>
+                <a:cs typeface="굴림"/>
+              </a:rPr>
+              <a:t>boolean</a:t>
+            </a:r>
+            <a:r>
+              <a:rPr lang="ko-KR" altLang="en-US" sz="1400" b="1" spc="-5" dirty="0">
+                <a:latin typeface="+mn-ea"/>
+                <a:cs typeface="굴림"/>
+              </a:rPr>
+              <a:t>값 </a:t>
+            </a:r>
+            <a:r>
+              <a:rPr lang="en-US" altLang="ko-KR" sz="1400" b="1" spc="-5" dirty="0">
+                <a:latin typeface="+mn-ea"/>
+                <a:cs typeface="굴림"/>
+              </a:rPr>
+              <a:t>(true / false)</a:t>
+            </a:r>
+            <a:r>
+              <a:rPr lang="ko-KR" altLang="en-US" sz="1400" b="1" spc="-5" dirty="0">
+                <a:latin typeface="+mn-ea"/>
+                <a:cs typeface="굴림"/>
+              </a:rPr>
+              <a:t>을 </a:t>
+            </a:r>
+            <a:r>
+              <a:rPr lang="ko-KR" altLang="en-US" sz="1400" b="1" spc="-5" dirty="0" err="1">
+                <a:latin typeface="+mn-ea"/>
+                <a:cs typeface="굴림"/>
+              </a:rPr>
+              <a:t>리턴하며</a:t>
+            </a:r>
+            <a:r>
+              <a:rPr lang="en-US" altLang="ko-KR" sz="1400" b="1" spc="-5" dirty="0">
+                <a:latin typeface="+mn-ea"/>
+                <a:cs typeface="굴림"/>
+              </a:rPr>
+              <a:t>, </a:t>
+            </a:r>
+            <a:r>
+              <a:rPr lang="ko-KR" altLang="en-US" sz="1400" b="1" spc="-5" dirty="0" err="1">
+                <a:latin typeface="+mn-ea"/>
+                <a:cs typeface="굴림"/>
+              </a:rPr>
+              <a:t>리턴된</a:t>
+            </a:r>
+            <a:r>
+              <a:rPr lang="ko-KR" altLang="en-US" sz="1400" b="1" spc="-5" dirty="0">
+                <a:latin typeface="+mn-ea"/>
+                <a:cs typeface="굴림"/>
+              </a:rPr>
+              <a:t> 값이 </a:t>
+            </a:r>
+            <a:r>
+              <a:rPr lang="en-US" altLang="ko-KR" sz="1400" b="1" spc="-5" dirty="0">
+                <a:latin typeface="+mn-ea"/>
+                <a:cs typeface="굴림"/>
+              </a:rPr>
+              <a:t>true</a:t>
+            </a:r>
+            <a:r>
+              <a:rPr lang="ko-KR" altLang="en-US" sz="1400" b="1" spc="-5" dirty="0">
+                <a:latin typeface="+mn-ea"/>
+                <a:cs typeface="굴림"/>
+              </a:rPr>
+              <a:t>면 객체가 특정 클래스의 인스턴스임을 나타내고</a:t>
+            </a:r>
+            <a:r>
+              <a:rPr lang="en-US" altLang="ko-KR" sz="1400" b="1" spc="-5" dirty="0">
+                <a:latin typeface="+mn-ea"/>
+                <a:cs typeface="굴림"/>
+              </a:rPr>
+              <a:t>, </a:t>
+            </a:r>
+            <a:br>
+              <a:rPr lang="en-US" altLang="ko-KR" sz="1400" b="1" spc="-5" dirty="0">
+                <a:latin typeface="+mn-ea"/>
+                <a:cs typeface="굴림"/>
+              </a:rPr>
+            </a:br>
+            <a:r>
+              <a:rPr lang="ko-KR" altLang="en-US" sz="1400" b="1" spc="-5" dirty="0" err="1">
+                <a:latin typeface="+mn-ea"/>
+                <a:cs typeface="굴림"/>
+              </a:rPr>
+              <a:t>리턴된</a:t>
+            </a:r>
+            <a:r>
+              <a:rPr lang="ko-KR" altLang="en-US" sz="1400" b="1" spc="-5" dirty="0">
+                <a:latin typeface="+mn-ea"/>
+                <a:cs typeface="굴림"/>
+              </a:rPr>
+              <a:t> 값이 </a:t>
+            </a:r>
+            <a:r>
+              <a:rPr lang="en-US" altLang="ko-KR" sz="1400" b="1" spc="-5" dirty="0">
+                <a:latin typeface="+mn-ea"/>
+                <a:cs typeface="굴림"/>
+              </a:rPr>
+              <a:t>false</a:t>
+            </a:r>
+            <a:r>
+              <a:rPr lang="ko-KR" altLang="en-US" sz="1400" b="1" spc="-5" dirty="0">
+                <a:latin typeface="+mn-ea"/>
+                <a:cs typeface="굴림"/>
+              </a:rPr>
+              <a:t>면 특정 클래스의 인스턴스가 아님을 나타냄</a:t>
+            </a:r>
+            <a:r>
+              <a:rPr lang="en-US" altLang="ko-KR" sz="1400" b="1" spc="-5" dirty="0">
+                <a:latin typeface="+mn-ea"/>
+                <a:cs typeface="굴림"/>
+              </a:rPr>
+              <a:t>.</a:t>
+            </a:r>
+            <a:r>
+              <a:rPr lang="en-US" altLang="ko-KR" sz="1400" b="1" spc="-5" dirty="0" smtClean="0">
+                <a:latin typeface="+mn-ea"/>
+                <a:cs typeface="굴림"/>
+              </a:rPr>
+              <a:t/>
             </a:r>
             <a:br>
               <a:rPr lang="en-US" altLang="ko-KR" sz="1400" b="1" spc="-5" dirty="0" smtClean="0">
@@ -1850,14 +2258,7 @@
                 <a:latin typeface="+mn-ea"/>
                 <a:cs typeface="굴림"/>
               </a:rPr>
-              <a:t>6.2) </a:t>
-            </a:r>
-            <a:r>
-              <a:rPr lang="en-US" altLang="ko-KR" sz="1400" b="1" spc="-5" dirty="0" smtClean="0">
-                <a:latin typeface="+mn-ea"/>
-                <a:cs typeface="굴림"/>
-              </a:rPr>
-              <a:t>prototype </a:t>
+              <a:t>6.2) prototype </a:t>
             </a:r>
             <a:r>
               <a:rPr lang="ko-KR" altLang="en-US" sz="1400" b="1" spc="-5" dirty="0" smtClean="0">
@@ -2155,10 +2556,6 @@
               </a:rPr>
               <a:t> </a:t>
             </a:r>
-            <a:endParaRPr lang="en-US" altLang="ko-KR" sz="1400" b="1" spc="-5" dirty="0" smtClean="0">
-              <a:latin typeface="+mn-ea"/>
-              <a:cs typeface="굴림"/>
-            </a:endParaRPr>
           </a:p>
           <a:p>
             <a:pPr marL="174625" indent="-163513">
@@ -2372,14 +2769,7 @@
                 <a:latin typeface="+mn-ea"/>
                 <a:ea typeface="+mn-ea"/>
               </a:rPr>
-              <a:t>와 </a:t>
-            </a:r>
-            <a:r>
-              <a:rPr lang="ko-KR" altLang="en-US" sz="2800" dirty="0" smtClean="0">
-                <a:latin typeface="+mn-ea"/>
-                <a:ea typeface="+mn-ea"/>
-              </a:rPr>
-              <a:t>모듈</a:t>
+              <a:t>와 모듈</a:t>
             </a:r>
             <a:r>
               <a:rPr lang="en-US" altLang="ko-KR" sz="1800" dirty="0" smtClean="0">
@@ -2478,14 +2868,7 @@
                 <a:latin typeface="+mn-ea"/>
                 <a:cs typeface="굴림"/>
               </a:rPr>
-              <a:t>.1</a:t>
-            </a:r>
-            <a:r>
-              <a:rPr lang="en-US" sz="1400" b="1" spc="-5" dirty="0" smtClean="0">
-                <a:latin typeface="+mn-ea"/>
-                <a:cs typeface="굴림"/>
-              </a:rPr>
-              <a:t>) </a:t>
+              <a:t>.1) </a:t>
             </a:r>
             <a:r>
               <a:rPr lang="ko-KR" altLang="en-US" sz="1400" b="1" spc="-5" dirty="0" smtClean="0">
@@ -2597,14 +2980,7 @@
                 <a:latin typeface="+mn-ea"/>
                 <a:cs typeface="굴림"/>
               </a:rPr>
-              <a:t>.2</a:t>
-            </a:r>
-            <a:r>
-              <a:rPr lang="en-US" sz="1400" b="1" spc="-5" dirty="0" smtClean="0">
-                <a:latin typeface="+mn-ea"/>
-                <a:cs typeface="굴림"/>
-              </a:rPr>
-              <a:t>) </a:t>
+              <a:t>.2) </a:t>
             </a:r>
             <a:r>
               <a:rPr lang="ko-KR" altLang="en-US" sz="1400" b="1" spc="-5" dirty="0" smtClean="0">
@@ -3034,15 +3410,7 @@
             </a:r>
             <a:r>
               <a:rPr lang="en-US" altLang="ko-KR" sz="1400" dirty="0" smtClean="0"/>
-              <a:t>) </a:t>
-            </a:r>
-            <a:r>
-              <a:rPr lang="en-US" altLang="ko-KR" sz="1400" dirty="0" smtClean="0"/>
-              <a:t>/ export </a:t>
-            </a:r>
-            <a:r>
-              <a:rPr lang="en-US" altLang="ko-KR" sz="1400" dirty="0" smtClean="0"/>
-              <a:t>(</a:t>
+              <a:t>) / export (</a:t>
             </a:r>
             <a:r>
               <a:rPr lang="ko-KR" altLang="en-US" sz="1400" dirty="0" smtClean="0"/>
@@ -3144,11 +3512,7 @@
             </a:br>
             <a:r>
               <a:rPr lang="en-US" altLang="ko-KR" sz="1400" dirty="0" smtClean="0"/>
-              <a:t>- </a:t>
-            </a:r>
-            <a:r>
-              <a:rPr lang="en-US" altLang="ko-KR" sz="1400" dirty="0" smtClean="0"/>
-              <a:t>48-2,3,4  : </a:t>
+              <a:t>- 48-2,3,4  : </a:t>
             </a:r>
             <a:r>
               <a:rPr lang="ko-KR" altLang="en-US" sz="1400" dirty="0" smtClean="0"/>
@@ -7271,10 +7635,6 @@
               </a:rPr>
               <a:t>Test )</a:t>
             </a:r>
-            <a:endParaRPr lang="en-US" altLang="ko-KR" sz="1400" spc="-5" dirty="0" smtClean="0">
-              <a:latin typeface="+mn-ea"/>
-              <a:cs typeface="굴림"/>
-            </a:endParaRPr>
           </a:p>
           <a:p>
             <a:pPr marL="12065">
